--- a/Presentation.pptx
+++ b/Presentation.pptx
@@ -6,10 +6,9 @@
   </p:sldMasterIdLst>
   <p:sldIdLst>
     <p:sldId id="256" r:id="rId2"/>
-    <p:sldId id="257" r:id="rId3"/>
-    <p:sldId id="258" r:id="rId4"/>
-    <p:sldId id="259" r:id="rId5"/>
-    <p:sldId id="260" r:id="rId6"/>
+    <p:sldId id="258" r:id="rId3"/>
+    <p:sldId id="259" r:id="rId4"/>
+    <p:sldId id="260" r:id="rId5"/>
   </p:sldIdLst>
   <p:sldSz cx="9144000" cy="6858000" type="screen4x3"/>
   <p:notesSz cx="6858000" cy="9144000"/>
@@ -108,6 +107,11 @@
       </a:defRPr>
     </a:lvl9pPr>
   </p:defaultTextStyle>
+  <p:extLst>
+    <p:ext uri="{EFAFB233-063F-42B5-8137-9DF3F51BA10A}">
+      <p15:sldGuideLst xmlns:p15="http://schemas.microsoft.com/office/powerpoint/2012/main"/>
+    </p:ext>
+  </p:extLst>
 </p:presentation>
 </file>
 
@@ -250,7 +254,7 @@
           <a:p>
             <a:fld id="{48A87A34-81AB-432B-8DAE-1953F412C126}" type="datetimeFigureOut">
               <a:rPr lang="en-US" smtClean="0"/>
-              <a:t>4/22/18</a:t>
+              <a:t>4/23/18</a:t>
             </a:fld>
             <a:endParaRPr lang="en-US" dirty="0"/>
           </a:p>
@@ -492,7 +496,7 @@
           <a:p>
             <a:fld id="{48A87A34-81AB-432B-8DAE-1953F412C126}" type="datetimeFigureOut">
               <a:rPr lang="en-US" smtClean="0"/>
-              <a:t>4/22/18</a:t>
+              <a:t>4/23/18</a:t>
             </a:fld>
             <a:endParaRPr lang="en-US" dirty="0"/>
           </a:p>
@@ -676,7 +680,7 @@
           <a:p>
             <a:fld id="{48A87A34-81AB-432B-8DAE-1953F412C126}" type="datetimeFigureOut">
               <a:rPr lang="en-US" smtClean="0"/>
-              <a:t>4/22/18</a:t>
+              <a:t>4/23/18</a:t>
             </a:fld>
             <a:endParaRPr lang="en-US" dirty="0"/>
           </a:p>
@@ -877,7 +881,7 @@
           <a:p>
             <a:fld id="{48A87A34-81AB-432B-8DAE-1953F412C126}" type="datetimeFigureOut">
               <a:rPr lang="en-US" smtClean="0"/>
-              <a:t>4/22/18</a:t>
+              <a:t>4/23/18</a:t>
             </a:fld>
             <a:endParaRPr lang="en-US" dirty="0"/>
           </a:p>
@@ -1156,7 +1160,7 @@
           <a:p>
             <a:fld id="{48A87A34-81AB-432B-8DAE-1953F412C126}" type="datetimeFigureOut">
               <a:rPr lang="en-US" smtClean="0"/>
-              <a:t>4/22/18</a:t>
+              <a:t>4/23/18</a:t>
             </a:fld>
             <a:endParaRPr lang="en-US" dirty="0"/>
           </a:p>
@@ -1424,7 +1428,7 @@
           <a:p>
             <a:fld id="{48A87A34-81AB-432B-8DAE-1953F412C126}" type="datetimeFigureOut">
               <a:rPr lang="en-US" smtClean="0"/>
-              <a:t>4/22/18</a:t>
+              <a:t>4/23/18</a:t>
             </a:fld>
             <a:endParaRPr lang="en-US" dirty="0"/>
           </a:p>
@@ -1871,7 +1875,7 @@
           <a:p>
             <a:fld id="{48A87A34-81AB-432B-8DAE-1953F412C126}" type="datetimeFigureOut">
               <a:rPr lang="en-US" smtClean="0"/>
-              <a:t>4/22/18</a:t>
+              <a:t>4/23/18</a:t>
             </a:fld>
             <a:endParaRPr lang="en-US" dirty="0"/>
           </a:p>
@@ -2020,7 +2024,7 @@
           <a:p>
             <a:fld id="{48A87A34-81AB-432B-8DAE-1953F412C126}" type="datetimeFigureOut">
               <a:rPr lang="en-US" smtClean="0"/>
-              <a:t>4/22/18</a:t>
+              <a:t>4/23/18</a:t>
             </a:fld>
             <a:endParaRPr lang="en-US" dirty="0"/>
           </a:p>
@@ -2115,7 +2119,7 @@
           <a:p>
             <a:fld id="{48A87A34-81AB-432B-8DAE-1953F412C126}" type="datetimeFigureOut">
               <a:rPr lang="en-US" smtClean="0"/>
-              <a:t>4/22/18</a:t>
+              <a:t>4/23/18</a:t>
             </a:fld>
             <a:endParaRPr lang="en-US" dirty="0"/>
           </a:p>
@@ -2368,7 +2372,7 @@
           <a:p>
             <a:fld id="{48A87A34-81AB-432B-8DAE-1953F412C126}" type="datetimeFigureOut">
               <a:rPr lang="en-US" smtClean="0"/>
-              <a:t>4/22/18</a:t>
+              <a:t>4/23/18</a:t>
             </a:fld>
             <a:endParaRPr lang="en-US" dirty="0"/>
           </a:p>
@@ -2814,7 +2818,7 @@
             <a:fld id="{48A87A34-81AB-432B-8DAE-1953F412C126}" type="datetimeFigureOut">
               <a:rPr lang="en-US" smtClean="0"/>
               <a:pPr/>
-              <a:t>4/22/18</a:t>
+              <a:t>4/23/18</a:t>
             </a:fld>
             <a:endParaRPr lang="en-US" dirty="0"/>
           </a:p>
@@ -3178,7 +3182,7 @@
             <a:fld id="{48A87A34-81AB-432B-8DAE-1953F412C126}" type="datetimeFigureOut">
               <a:rPr lang="en-US" smtClean="0"/>
               <a:pPr/>
-              <a:t>4/22/18</a:t>
+              <a:t>4/23/18</a:t>
             </a:fld>
             <a:endParaRPr lang="en-US" dirty="0"/>
           </a:p>
@@ -3739,7 +3743,7 @@
           <p:cNvPr id="2" name="Title 1">
             <a:extLst>
               <a:ext uri="{FF2B5EF4-FFF2-40B4-BE49-F238E27FC236}">
-                <a16:creationId xmlns:a16="http://schemas.microsoft.com/office/drawing/2014/main" id="{9418B503-9A3A-DF4A-93AD-33FEEF12B2A0}"/>
+                <a16:creationId xmlns:a16="http://schemas.microsoft.com/office/drawing/2014/main" id="{2EB312B6-9582-A541-9DF9-4E171D819524}"/>
               </a:ext>
             </a:extLst>
           </p:cNvPr>
@@ -3757,7 +3761,7 @@
           <a:p>
             <a:r>
               <a:rPr lang="en-US" dirty="0"/>
-              <a:t>Data source</a:t>
+              <a:t>Techniques we used</a:t>
             </a:r>
           </a:p>
         </p:txBody>
@@ -3767,7 +3771,7 @@
           <p:cNvPr id="3" name="Content Placeholder 2">
             <a:extLst>
               <a:ext uri="{FF2B5EF4-FFF2-40B4-BE49-F238E27FC236}">
-                <a16:creationId xmlns:a16="http://schemas.microsoft.com/office/drawing/2014/main" id="{8EAD60CA-EC72-DD4D-B7B3-0AD8260F46F1}"/>
+                <a16:creationId xmlns:a16="http://schemas.microsoft.com/office/drawing/2014/main" id="{2FFA8907-C4DD-6548-82E9-734C269F03DA}"/>
               </a:ext>
             </a:extLst>
           </p:cNvPr>
@@ -3785,48 +3789,36 @@
           <a:p>
             <a:r>
               <a:rPr lang="en-US" dirty="0"/>
-              <a:t>USC web page: </a:t>
-            </a:r>
-            <a:r>
-              <a:rPr lang="en-US" dirty="0">
-                <a:hlinkClick r:id="rId2"/>
-              </a:rPr>
-              <a:t>https://classes.usc.edu/term-20181/</a:t>
-            </a:r>
-            <a:endParaRPr lang="en-US" dirty="0"/>
+              <a:t>Web crawler</a:t>
+            </a:r>
           </a:p>
           <a:p>
             <a:r>
               <a:rPr lang="en-US" dirty="0"/>
-              <a:t>Coded a web crawler for this page</a:t>
+              <a:t>Google Firebase for data storage</a:t>
             </a:r>
           </a:p>
           <a:p>
             <a:r>
               <a:rPr lang="en-US" dirty="0"/>
-              <a:t>Downloaded data, and processed the data into </a:t>
-            </a:r>
-            <a:r>
-              <a:rPr lang="en-US" dirty="0" err="1"/>
-              <a:t>json</a:t>
-            </a:r>
+              <a:t>Flask for backend</a:t>
+            </a:r>
+          </a:p>
+          <a:p>
             <a:r>
               <a:rPr lang="en-US" dirty="0"/>
-              <a:t> format</a:t>
-            </a:r>
-          </a:p>
-          <a:p>
-            <a:r>
-              <a:rPr lang="en-US" dirty="0"/>
-              <a:t>Upload courses information to Google Firebase</a:t>
-            </a:r>
+              <a:t>Bootstrap for pages</a:t>
+            </a:r>
+          </a:p>
+          <a:p>
+            <a:endParaRPr lang="en-US" dirty="0"/>
           </a:p>
         </p:txBody>
       </p:sp>
     </p:spTree>
     <p:extLst>
       <p:ext uri="{BB962C8B-B14F-4D97-AF65-F5344CB8AC3E}">
-        <p14:creationId xmlns:p14="http://schemas.microsoft.com/office/powerpoint/2010/main" val="2600497456"/>
+        <p14:creationId xmlns:p14="http://schemas.microsoft.com/office/powerpoint/2010/main" val="1972414994"/>
       </p:ext>
     </p:extLst>
   </p:cSld>
@@ -3858,113 +3850,6 @@
           <p:cNvPr id="2" name="Title 1">
             <a:extLst>
               <a:ext uri="{FF2B5EF4-FFF2-40B4-BE49-F238E27FC236}">
-                <a16:creationId xmlns:a16="http://schemas.microsoft.com/office/drawing/2014/main" id="{2EB312B6-9582-A541-9DF9-4E171D819524}"/>
-              </a:ext>
-            </a:extLst>
-          </p:cNvPr>
-          <p:cNvSpPr>
-            <a:spLocks noGrp="1"/>
-          </p:cNvSpPr>
-          <p:nvPr>
-            <p:ph type="title"/>
-          </p:nvPr>
-        </p:nvSpPr>
-        <p:spPr/>
-        <p:txBody>
-          <a:bodyPr/>
-          <a:lstStyle/>
-          <a:p>
-            <a:r>
-              <a:rPr lang="en-US" dirty="0"/>
-              <a:t>Techniques we used</a:t>
-            </a:r>
-          </a:p>
-        </p:txBody>
-      </p:sp>
-      <p:sp>
-        <p:nvSpPr>
-          <p:cNvPr id="3" name="Content Placeholder 2">
-            <a:extLst>
-              <a:ext uri="{FF2B5EF4-FFF2-40B4-BE49-F238E27FC236}">
-                <a16:creationId xmlns:a16="http://schemas.microsoft.com/office/drawing/2014/main" id="{2FFA8907-C4DD-6548-82E9-734C269F03DA}"/>
-              </a:ext>
-            </a:extLst>
-          </p:cNvPr>
-          <p:cNvSpPr>
-            <a:spLocks noGrp="1"/>
-          </p:cNvSpPr>
-          <p:nvPr>
-            <p:ph idx="1"/>
-          </p:nvPr>
-        </p:nvSpPr>
-        <p:spPr/>
-        <p:txBody>
-          <a:bodyPr/>
-          <a:lstStyle/>
-          <a:p>
-            <a:r>
-              <a:rPr lang="en-US" dirty="0"/>
-              <a:t>Web crawler</a:t>
-            </a:r>
-          </a:p>
-          <a:p>
-            <a:r>
-              <a:rPr lang="en-US" dirty="0"/>
-              <a:t>Google Firebase for data storage</a:t>
-            </a:r>
-          </a:p>
-          <a:p>
-            <a:r>
-              <a:rPr lang="en-US" dirty="0"/>
-              <a:t>Flask for backend</a:t>
-            </a:r>
-          </a:p>
-          <a:p>
-            <a:r>
-              <a:rPr lang="en-US" dirty="0"/>
-              <a:t>Bootstrap for pages</a:t>
-            </a:r>
-          </a:p>
-          <a:p>
-            <a:endParaRPr lang="en-US" dirty="0"/>
-          </a:p>
-        </p:txBody>
-      </p:sp>
-    </p:spTree>
-    <p:extLst>
-      <p:ext uri="{BB962C8B-B14F-4D97-AF65-F5344CB8AC3E}">
-        <p14:creationId xmlns:p14="http://schemas.microsoft.com/office/powerpoint/2010/main" val="1972414994"/>
-      </p:ext>
-    </p:extLst>
-  </p:cSld>
-  <p:clrMapOvr>
-    <a:masterClrMapping/>
-  </p:clrMapOvr>
-</p:sld>
-</file>
-
-<file path=ppt/slides/slide4.xml><?xml version="1.0" encoding="utf-8"?>
-<p:sld xmlns:a="http://schemas.openxmlformats.org/drawingml/2006/main" xmlns:r="http://schemas.openxmlformats.org/officeDocument/2006/relationships" xmlns:p="http://schemas.openxmlformats.org/presentationml/2006/main">
-  <p:cSld>
-    <p:spTree>
-      <p:nvGrpSpPr>
-        <p:cNvPr id="1" name=""/>
-        <p:cNvGrpSpPr/>
-        <p:nvPr/>
-      </p:nvGrpSpPr>
-      <p:grpSpPr>
-        <a:xfrm>
-          <a:off x="0" y="0"/>
-          <a:ext cx="0" cy="0"/>
-          <a:chOff x="0" y="0"/>
-          <a:chExt cx="0" cy="0"/>
-        </a:xfrm>
-      </p:grpSpPr>
-      <p:sp>
-        <p:nvSpPr>
-          <p:cNvPr id="2" name="Title 1">
-            <a:extLst>
-              <a:ext uri="{FF2B5EF4-FFF2-40B4-BE49-F238E27FC236}">
                 <a16:creationId xmlns:a16="http://schemas.microsoft.com/office/drawing/2014/main" id="{E796FD71-C8DF-2644-9008-52DD47C8CA17}"/>
               </a:ext>
             </a:extLst>
@@ -4031,7 +3916,7 @@
           <a:p>
             <a:r>
               <a:rPr lang="en-US" dirty="0"/>
-              <a:t>Facet search, keyword Search,  value sort</a:t>
+              <a:t>Facet search, keyword Search, value sort</a:t>
             </a:r>
           </a:p>
           <a:p>
@@ -4076,7 +3961,7 @@
 </p:sld>
 </file>
 
-<file path=ppt/slides/slide5.xml><?xml version="1.0" encoding="utf-8"?>
+<file path=ppt/slides/slide4.xml><?xml version="1.0" encoding="utf-8"?>
 <p:sld xmlns:a="http://schemas.openxmlformats.org/drawingml/2006/main" xmlns:r="http://schemas.openxmlformats.org/officeDocument/2006/relationships" xmlns:p="http://schemas.openxmlformats.org/presentationml/2006/main">
   <p:cSld>
     <p:spTree>

--- a/Presentation.pptx
+++ b/Presentation.pptx
@@ -6,8 +6,8 @@
   </p:sldMasterIdLst>
   <p:sldIdLst>
     <p:sldId id="256" r:id="rId2"/>
-    <p:sldId id="258" r:id="rId3"/>
-    <p:sldId id="259" r:id="rId4"/>
+    <p:sldId id="259" r:id="rId3"/>
+    <p:sldId id="258" r:id="rId4"/>
     <p:sldId id="260" r:id="rId5"/>
   </p:sldIdLst>
   <p:sldSz cx="9144000" cy="6858000" type="screen4x3"/>
@@ -3743,7 +3743,7 @@
           <p:cNvPr id="2" name="Title 1">
             <a:extLst>
               <a:ext uri="{FF2B5EF4-FFF2-40B4-BE49-F238E27FC236}">
-                <a16:creationId xmlns:a16="http://schemas.microsoft.com/office/drawing/2014/main" id="{2EB312B6-9582-A541-9DF9-4E171D819524}"/>
+                <a16:creationId xmlns:a16="http://schemas.microsoft.com/office/drawing/2014/main" id="{E796FD71-C8DF-2644-9008-52DD47C8CA17}"/>
               </a:ext>
             </a:extLst>
           </p:cNvPr>
@@ -3761,7 +3761,7 @@
           <a:p>
             <a:r>
               <a:rPr lang="en-US" dirty="0"/>
-              <a:t>Techniques we used</a:t>
+              <a:t>What we’ve done</a:t>
             </a:r>
           </a:p>
         </p:txBody>
@@ -3771,7 +3771,7 @@
           <p:cNvPr id="3" name="Content Placeholder 2">
             <a:extLst>
               <a:ext uri="{FF2B5EF4-FFF2-40B4-BE49-F238E27FC236}">
-                <a16:creationId xmlns:a16="http://schemas.microsoft.com/office/drawing/2014/main" id="{2FFA8907-C4DD-6548-82E9-734C269F03DA}"/>
+                <a16:creationId xmlns:a16="http://schemas.microsoft.com/office/drawing/2014/main" id="{2844F890-8DF9-6A4B-8C95-68D9F5C5EA6A}"/>
               </a:ext>
             </a:extLst>
           </p:cNvPr>
@@ -3784,30 +3784,56 @@
         </p:nvSpPr>
         <p:spPr/>
         <p:txBody>
-          <a:bodyPr/>
+          <a:bodyPr>
+            <a:normAutofit fontScale="92500" lnSpcReduction="20000"/>
+          </a:bodyPr>
           <a:lstStyle/>
           <a:p>
             <a:r>
               <a:rPr lang="en-US" dirty="0"/>
-              <a:t>Web crawler</a:t>
+              <a:t>User sign up with constraints</a:t>
             </a:r>
           </a:p>
           <a:p>
             <a:r>
               <a:rPr lang="en-US" dirty="0"/>
-              <a:t>Google Firebase for data storage</a:t>
+              <a:t>User login in </a:t>
             </a:r>
           </a:p>
           <a:p>
             <a:r>
               <a:rPr lang="en-US" dirty="0"/>
-              <a:t>Flask for backend</a:t>
+              <a:t>Password reset</a:t>
             </a:r>
           </a:p>
           <a:p>
             <a:r>
               <a:rPr lang="en-US" dirty="0"/>
-              <a:t>Bootstrap for pages</a:t>
+              <a:t>Facet search, keyword Search, value sort</a:t>
+            </a:r>
+          </a:p>
+          <a:p>
+            <a:r>
+              <a:rPr lang="en-US" dirty="0"/>
+              <a:t>Search history</a:t>
+            </a:r>
+          </a:p>
+          <a:p>
+            <a:r>
+              <a:rPr lang="en-US" dirty="0"/>
+              <a:t>Profile edit</a:t>
+            </a:r>
+          </a:p>
+          <a:p>
+            <a:r>
+              <a:rPr lang="en-US" dirty="0"/>
+              <a:t>Choose to be or not to be a tutor</a:t>
+            </a:r>
+          </a:p>
+          <a:p>
+            <a:r>
+              <a:rPr lang="en-US" dirty="0"/>
+              <a:t>Select or delete tutor, also student</a:t>
             </a:r>
           </a:p>
           <a:p>
@@ -3818,7 +3844,7 @@
     </p:spTree>
     <p:extLst>
       <p:ext uri="{BB962C8B-B14F-4D97-AF65-F5344CB8AC3E}">
-        <p14:creationId xmlns:p14="http://schemas.microsoft.com/office/powerpoint/2010/main" val="1972414994"/>
+        <p14:creationId xmlns:p14="http://schemas.microsoft.com/office/powerpoint/2010/main" val="1622559695"/>
       </p:ext>
     </p:extLst>
   </p:cSld>
@@ -3850,7 +3876,7 @@
           <p:cNvPr id="2" name="Title 1">
             <a:extLst>
               <a:ext uri="{FF2B5EF4-FFF2-40B4-BE49-F238E27FC236}">
-                <a16:creationId xmlns:a16="http://schemas.microsoft.com/office/drawing/2014/main" id="{E796FD71-C8DF-2644-9008-52DD47C8CA17}"/>
+                <a16:creationId xmlns:a16="http://schemas.microsoft.com/office/drawing/2014/main" id="{2EB312B6-9582-A541-9DF9-4E171D819524}"/>
               </a:ext>
             </a:extLst>
           </p:cNvPr>
@@ -3868,7 +3894,7 @@
           <a:p>
             <a:r>
               <a:rPr lang="en-US" dirty="0"/>
-              <a:t>What we’ve done</a:t>
+              <a:t>Techniques we used</a:t>
             </a:r>
           </a:p>
         </p:txBody>
@@ -3878,7 +3904,7 @@
           <p:cNvPr id="3" name="Content Placeholder 2">
             <a:extLst>
               <a:ext uri="{FF2B5EF4-FFF2-40B4-BE49-F238E27FC236}">
-                <a16:creationId xmlns:a16="http://schemas.microsoft.com/office/drawing/2014/main" id="{2844F890-8DF9-6A4B-8C95-68D9F5C5EA6A}"/>
+                <a16:creationId xmlns:a16="http://schemas.microsoft.com/office/drawing/2014/main" id="{2FFA8907-C4DD-6548-82E9-734C269F03DA}"/>
               </a:ext>
             </a:extLst>
           </p:cNvPr>
@@ -3891,56 +3917,30 @@
         </p:nvSpPr>
         <p:spPr/>
         <p:txBody>
-          <a:bodyPr>
-            <a:normAutofit fontScale="92500" lnSpcReduction="20000"/>
-          </a:bodyPr>
+          <a:bodyPr/>
           <a:lstStyle/>
           <a:p>
             <a:r>
               <a:rPr lang="en-US" dirty="0"/>
-              <a:t>User sign up with constraints</a:t>
+              <a:t>Web crawler</a:t>
             </a:r>
           </a:p>
           <a:p>
             <a:r>
               <a:rPr lang="en-US" dirty="0"/>
-              <a:t>User login in </a:t>
+              <a:t>Google Firebase for data storage</a:t>
             </a:r>
           </a:p>
           <a:p>
             <a:r>
               <a:rPr lang="en-US" dirty="0"/>
-              <a:t>Password reset</a:t>
+              <a:t>Flask for backend</a:t>
             </a:r>
           </a:p>
           <a:p>
             <a:r>
               <a:rPr lang="en-US" dirty="0"/>
-              <a:t>Facet search, keyword Search, value sort</a:t>
-            </a:r>
-          </a:p>
-          <a:p>
-            <a:r>
-              <a:rPr lang="en-US" dirty="0"/>
-              <a:t>Search history</a:t>
-            </a:r>
-          </a:p>
-          <a:p>
-            <a:r>
-              <a:rPr lang="en-US" dirty="0"/>
-              <a:t>Profile edit</a:t>
-            </a:r>
-          </a:p>
-          <a:p>
-            <a:r>
-              <a:rPr lang="en-US" dirty="0"/>
-              <a:t>Choose to be or not to be a tutor</a:t>
-            </a:r>
-          </a:p>
-          <a:p>
-            <a:r>
-              <a:rPr lang="en-US" dirty="0"/>
-              <a:t>Select or delete tutor, also student</a:t>
+              <a:t>Bootstrap for pages</a:t>
             </a:r>
           </a:p>
           <a:p>
@@ -3951,7 +3951,7 @@
     </p:spTree>
     <p:extLst>
       <p:ext uri="{BB962C8B-B14F-4D97-AF65-F5344CB8AC3E}">
-        <p14:creationId xmlns:p14="http://schemas.microsoft.com/office/powerpoint/2010/main" val="1622559695"/>
+        <p14:creationId xmlns:p14="http://schemas.microsoft.com/office/powerpoint/2010/main" val="1972414994"/>
       </p:ext>
     </p:extLst>
   </p:cSld>
